--- a/Machine Learning/ml_class/ml_class_notes/class_2_Linear Regression_class_2.pptx
+++ b/Machine Learning/ml_class/ml_class_notes/class_2_Linear Regression_class_2.pptx
@@ -14120,7 +14120,7 @@
             </a:pPr>
             <a:r>
               <a:rPr lang="en-US" dirty="0"/>
-              <a:t>Slop</a:t>
+              <a:t>Slop (M) </a:t>
             </a:r>
             <a:endParaRPr lang="en-US" dirty="0"/>
           </a:p>
@@ -20241,6 +20241,49 @@
               <a:effectLst/>
               <a:latin typeface="Tomorrow"/>
             </a:endParaRPr>
+          </a:p>
+        </p:txBody>
+      </p:sp>
+      <p:sp>
+        <p:nvSpPr>
+          <p:cNvPr id="2" name="Text Box 1"/>
+          <p:cNvSpPr txBox="1"/>
+          <p:nvPr/>
+        </p:nvSpPr>
+        <p:spPr>
+          <a:xfrm>
+            <a:off x="2566670" y="5450840"/>
+            <a:ext cx="6096000" cy="1198880"/>
+          </a:xfrm>
+          <a:prstGeom prst="rect">
+            <a:avLst/>
+          </a:prstGeom>
+          <a:noFill/>
+        </p:spPr>
+        <p:txBody>
+          <a:bodyPr wrap="square" rtlCol="0" anchor="t">
+            <a:spAutoFit/>
+          </a:bodyPr>
+          <a:p>
+            <a:r>
+              <a:rPr lang="en-US" altLang="en-US"/>
+              <a:t>https://scikit-learn.org/1.5/api/sklearn.datasets.html</a:t>
+            </a:r>
+            <a:endParaRPr lang="en-US" altLang="en-US"/>
+          </a:p>
+          <a:p>
+            <a:r>
+              <a:rPr lang="en-US" altLang="en-US"/>
+              <a:t>https://github.com/mwaskom/seaborn-data</a:t>
+            </a:r>
+            <a:endParaRPr lang="en-US" altLang="en-US"/>
+          </a:p>
+          <a:p>
+            <a:r>
+              <a:rPr lang="en-US" altLang="en-US"/>
+              <a:t>https://www.kaggle.com/datasets/burak3ergun/loan-data-set?resource=download</a:t>
+            </a:r>
+            <a:endParaRPr lang="en-US" altLang="en-US"/>
           </a:p>
         </p:txBody>
       </p:sp>
